--- a/bvp_hack ppt/e-Cycle.pptx
+++ b/bvp_hack ppt/e-Cycle.pptx
@@ -7,6 +7,9 @@
   <p:sldIdLst>
     <p:sldId id="256" r:id="rId2"/>
     <p:sldId id="257" r:id="rId3"/>
+    <p:sldId id="258" r:id="rId4"/>
+    <p:sldId id="259" r:id="rId5"/>
+    <p:sldId id="260" r:id="rId6"/>
   </p:sldIdLst>
   <p:sldSz cx="12192000" cy="6858000"/>
   <p:notesSz cx="6858000" cy="9144000"/>
@@ -105,6 +108,11 @@
       </a:defRPr>
     </a:lvl9pPr>
   </p:defaultTextStyle>
+  <p:extLst>
+    <p:ext uri="{EFAFB233-063F-42B5-8137-9DF3F51BA10A}">
+      <p15:sldGuideLst xmlns:p15="http://schemas.microsoft.com/office/powerpoint/2012/main"/>
+    </p:ext>
+  </p:extLst>
 </p:presentation>
 </file>
 
@@ -6033,12 +6041,51 @@
             <p:ph type="title"/>
           </p:nvPr>
         </p:nvSpPr>
-        <p:spPr/>
-        <p:txBody>
-          <a:bodyPr/>
-          <a:lstStyle/>
-          <a:p>
-            <a:endParaRPr lang="en-IN"/>
+        <p:spPr>
+          <a:xfrm>
+            <a:off x="677333" y="609600"/>
+            <a:ext cx="8617495" cy="1992198"/>
+          </a:xfrm>
+        </p:spPr>
+        <p:txBody>
+          <a:bodyPr>
+            <a:noAutofit/>
+          </a:bodyPr>
+          <a:lstStyle/>
+          <a:p>
+            <a:r>
+              <a:rPr lang="en-IN" sz="6000" b="1" dirty="0">
+                <a:solidFill>
+                  <a:schemeClr val="accent4">
+                    <a:lumMod val="40000"/>
+                    <a:lumOff val="60000"/>
+                  </a:schemeClr>
+                </a:solidFill>
+              </a:rPr>
+              <a:t>Interested in saving </a:t>
+            </a:r>
+            <a:r>
+              <a:rPr lang="en-IN" sz="6000" b="1" dirty="0">
+                <a:solidFill>
+                  <a:schemeClr val="accent1">
+                    <a:lumMod val="60000"/>
+                    <a:lumOff val="40000"/>
+                  </a:schemeClr>
+                </a:solidFill>
+              </a:rPr>
+              <a:t>NATURE   </a:t>
+            </a:r>
+            <a:r>
+              <a:rPr lang="en-IN" sz="6000" b="1" dirty="0">
+                <a:solidFill>
+                  <a:schemeClr val="accent4">
+                    <a:lumMod val="40000"/>
+                    <a:lumOff val="60000"/>
+                  </a:schemeClr>
+                </a:solidFill>
+              </a:rPr>
+              <a:t>???</a:t>
+            </a:r>
           </a:p>
         </p:txBody>
       </p:sp>
@@ -6058,19 +6105,692 @@
             <p:ph idx="1"/>
           </p:nvPr>
         </p:nvSpPr>
-        <p:spPr/>
-        <p:txBody>
-          <a:bodyPr/>
-          <a:lstStyle/>
-          <a:p>
-            <a:endParaRPr lang="en-IN"/>
-          </a:p>
-        </p:txBody>
-      </p:sp>
+        <p:spPr>
+          <a:xfrm>
+            <a:off x="677334" y="3225817"/>
+            <a:ext cx="8494946" cy="2411412"/>
+          </a:xfrm>
+        </p:spPr>
+        <p:txBody>
+          <a:bodyPr>
+            <a:normAutofit/>
+          </a:bodyPr>
+          <a:lstStyle/>
+          <a:p>
+            <a:pPr marL="0" indent="0">
+              <a:buNone/>
+            </a:pPr>
+            <a:r>
+              <a:rPr lang="en-IN" sz="3200" dirty="0"/>
+              <a:t>Contribute from the comfort of your home and make yourself count in saving the environment. Your small step CAN CHANGE the future. </a:t>
+            </a:r>
+          </a:p>
+        </p:txBody>
+      </p:sp>
+      <p:pic>
+        <p:nvPicPr>
+          <p:cNvPr id="4" name="Picture 3">
+            <a:extLst>
+              <a:ext uri="{FF2B5EF4-FFF2-40B4-BE49-F238E27FC236}">
+                <a16:creationId xmlns:a16="http://schemas.microsoft.com/office/drawing/2014/main" id="{9B32CFE5-2AF5-4934-9C83-616F29A072FE}"/>
+              </a:ext>
+            </a:extLst>
+          </p:cNvPr>
+          <p:cNvPicPr>
+            <a:picLocks noChangeAspect="1"/>
+          </p:cNvPicPr>
+          <p:nvPr/>
+        </p:nvPicPr>
+        <p:blipFill>
+          <a:blip r:embed="rId2"/>
+          <a:stretch>
+            <a:fillRect/>
+          </a:stretch>
+        </p:blipFill>
+        <p:spPr>
+          <a:xfrm>
+            <a:off x="3623686" y="1790742"/>
+            <a:ext cx="599522" cy="476256"/>
+          </a:xfrm>
+          <a:prstGeom prst="rect">
+            <a:avLst/>
+          </a:prstGeom>
+          <a:effectLst>
+            <a:softEdge rad="63500"/>
+          </a:effectLst>
+        </p:spPr>
+      </p:pic>
     </p:spTree>
     <p:extLst>
       <p:ext uri="{BB962C8B-B14F-4D97-AF65-F5344CB8AC3E}">
         <p14:creationId xmlns:p14="http://schemas.microsoft.com/office/powerpoint/2010/main" val="2875991609"/>
+      </p:ext>
+    </p:extLst>
+  </p:cSld>
+  <p:clrMapOvr>
+    <a:masterClrMapping/>
+  </p:clrMapOvr>
+</p:sld>
+</file>
+
+<file path=ppt/slides/slide3.xml><?xml version="1.0" encoding="utf-8"?>
+<p:sld xmlns:a="http://schemas.openxmlformats.org/drawingml/2006/main" xmlns:r="http://schemas.openxmlformats.org/officeDocument/2006/relationships" xmlns:p="http://schemas.openxmlformats.org/presentationml/2006/main">
+  <p:cSld>
+    <p:spTree>
+      <p:nvGrpSpPr>
+        <p:cNvPr id="1" name=""/>
+        <p:cNvGrpSpPr/>
+        <p:nvPr/>
+      </p:nvGrpSpPr>
+      <p:grpSpPr>
+        <a:xfrm>
+          <a:off x="0" y="0"/>
+          <a:ext cx="0" cy="0"/>
+          <a:chOff x="0" y="0"/>
+          <a:chExt cx="0" cy="0"/>
+        </a:xfrm>
+      </p:grpSpPr>
+      <p:sp>
+        <p:nvSpPr>
+          <p:cNvPr id="2" name="Title 1">
+            <a:extLst>
+              <a:ext uri="{FF2B5EF4-FFF2-40B4-BE49-F238E27FC236}">
+                <a16:creationId xmlns:a16="http://schemas.microsoft.com/office/drawing/2014/main" id="{7B12A5BA-E8B3-4A58-ACF5-585D42301FC0}"/>
+              </a:ext>
+            </a:extLst>
+          </p:cNvPr>
+          <p:cNvSpPr>
+            <a:spLocks noGrp="1"/>
+          </p:cNvSpPr>
+          <p:nvPr>
+            <p:ph type="title"/>
+          </p:nvPr>
+        </p:nvSpPr>
+        <p:spPr>
+          <a:xfrm>
+            <a:off x="2063074" y="2108199"/>
+            <a:ext cx="7825644" cy="2567495"/>
+          </a:xfrm>
+        </p:spPr>
+        <p:txBody>
+          <a:bodyPr>
+            <a:noAutofit/>
+          </a:bodyPr>
+          <a:lstStyle/>
+          <a:p>
+            <a:r>
+              <a:rPr lang="en-IN" sz="9600" dirty="0">
+                <a:solidFill>
+                  <a:srgbClr val="FFC000"/>
+                </a:solidFill>
+              </a:rPr>
+              <a:t>PROBLEM ???</a:t>
+            </a:r>
+          </a:p>
+        </p:txBody>
+      </p:sp>
+    </p:spTree>
+    <p:extLst>
+      <p:ext uri="{BB962C8B-B14F-4D97-AF65-F5344CB8AC3E}">
+        <p14:creationId xmlns:p14="http://schemas.microsoft.com/office/powerpoint/2010/main" val="3225950115"/>
+      </p:ext>
+    </p:extLst>
+  </p:cSld>
+  <p:clrMapOvr>
+    <a:masterClrMapping/>
+  </p:clrMapOvr>
+</p:sld>
+</file>
+
+<file path=ppt/slides/slide4.xml><?xml version="1.0" encoding="utf-8"?>
+<p:sld xmlns:a="http://schemas.openxmlformats.org/drawingml/2006/main" xmlns:r="http://schemas.openxmlformats.org/officeDocument/2006/relationships" xmlns:p="http://schemas.openxmlformats.org/presentationml/2006/main">
+  <p:cSld>
+    <p:spTree>
+      <p:nvGrpSpPr>
+        <p:cNvPr id="1" name=""/>
+        <p:cNvGrpSpPr/>
+        <p:nvPr/>
+      </p:nvGrpSpPr>
+      <p:grpSpPr>
+        <a:xfrm>
+          <a:off x="0" y="0"/>
+          <a:ext cx="0" cy="0"/>
+          <a:chOff x="0" y="0"/>
+          <a:chExt cx="0" cy="0"/>
+        </a:xfrm>
+      </p:grpSpPr>
+      <p:sp>
+        <p:nvSpPr>
+          <p:cNvPr id="2" name="Title 1">
+            <a:extLst>
+              <a:ext uri="{FF2B5EF4-FFF2-40B4-BE49-F238E27FC236}">
+                <a16:creationId xmlns:a16="http://schemas.microsoft.com/office/drawing/2014/main" id="{A7FD2A4A-46CE-4D33-86BA-90AEC70D7196}"/>
+              </a:ext>
+            </a:extLst>
+          </p:cNvPr>
+          <p:cNvSpPr>
+            <a:spLocks noGrp="1"/>
+          </p:cNvSpPr>
+          <p:nvPr>
+            <p:ph type="title"/>
+          </p:nvPr>
+        </p:nvSpPr>
+        <p:spPr>
+          <a:xfrm>
+            <a:off x="573639" y="259237"/>
+            <a:ext cx="8596668" cy="1320800"/>
+          </a:xfrm>
+        </p:spPr>
+        <p:txBody>
+          <a:bodyPr>
+            <a:normAutofit fontScale="90000"/>
+          </a:bodyPr>
+          <a:lstStyle/>
+          <a:p>
+            <a:r>
+              <a:rPr lang="en-IN" sz="9600" dirty="0">
+                <a:solidFill>
+                  <a:srgbClr val="FFFF00"/>
+                </a:solidFill>
+              </a:rPr>
+              <a:t>SOLUTION</a:t>
+            </a:r>
+            <a:r>
+              <a:rPr lang="en-IN" dirty="0">
+                <a:solidFill>
+                  <a:srgbClr val="FFFF00"/>
+                </a:solidFill>
+              </a:rPr>
+              <a:t> …</a:t>
+            </a:r>
+          </a:p>
+        </p:txBody>
+      </p:sp>
+      <p:sp>
+        <p:nvSpPr>
+          <p:cNvPr id="3" name="Content Placeholder 2">
+            <a:extLst>
+              <a:ext uri="{FF2B5EF4-FFF2-40B4-BE49-F238E27FC236}">
+                <a16:creationId xmlns:a16="http://schemas.microsoft.com/office/drawing/2014/main" id="{374D0C6B-8B87-4E0D-8003-9C076E5E7277}"/>
+              </a:ext>
+            </a:extLst>
+          </p:cNvPr>
+          <p:cNvSpPr>
+            <a:spLocks noGrp="1"/>
+          </p:cNvSpPr>
+          <p:nvPr>
+            <p:ph idx="1"/>
+          </p:nvPr>
+        </p:nvSpPr>
+        <p:spPr>
+          <a:xfrm>
+            <a:off x="677333" y="1679822"/>
+            <a:ext cx="10022089" cy="4438174"/>
+          </a:xfrm>
+        </p:spPr>
+        <p:txBody>
+          <a:bodyPr>
+            <a:normAutofit fontScale="92500" lnSpcReduction="20000"/>
+          </a:bodyPr>
+          <a:lstStyle/>
+          <a:p>
+            <a:pPr marL="0" indent="0">
+              <a:buNone/>
+            </a:pPr>
+            <a:r>
+              <a:rPr lang="en-IN" sz="3600" dirty="0">
+                <a:solidFill>
+                  <a:schemeClr val="accent2">
+                    <a:lumMod val="20000"/>
+                    <a:lumOff val="80000"/>
+                  </a:schemeClr>
+                </a:solidFill>
+              </a:rPr>
+              <a:t>What you can do ?</a:t>
+            </a:r>
+          </a:p>
+          <a:p>
+            <a:r>
+              <a:rPr lang="en-IN" sz="2800" dirty="0">
+                <a:solidFill>
+                  <a:srgbClr val="FF9999"/>
+                </a:solidFill>
+              </a:rPr>
+              <a:t>Either DONATE or CREATE.</a:t>
+            </a:r>
+          </a:p>
+          <a:p>
+            <a:pPr lvl="2"/>
+            <a:r>
+              <a:rPr lang="en-IN" sz="2800" dirty="0">
+                <a:solidFill>
+                  <a:srgbClr val="FF9999"/>
+                </a:solidFill>
+              </a:rPr>
+              <a:t>Buy rebuilt products.</a:t>
+            </a:r>
+          </a:p>
+          <a:p>
+            <a:pPr lvl="4"/>
+            <a:r>
+              <a:rPr lang="en-IN" sz="2800" dirty="0">
+                <a:solidFill>
+                  <a:srgbClr val="FF9999"/>
+                </a:solidFill>
+              </a:rPr>
+              <a:t>Look at other’s imagination.</a:t>
+            </a:r>
+          </a:p>
+          <a:p>
+            <a:pPr marL="0" indent="0" algn="r">
+              <a:buNone/>
+            </a:pPr>
+            <a:endParaRPr lang="en-IN" sz="3600" dirty="0"/>
+          </a:p>
+          <a:p>
+            <a:pPr marL="0" indent="0" algn="r">
+              <a:buNone/>
+            </a:pPr>
+            <a:r>
+              <a:rPr lang="en-IN" sz="3600" dirty="0">
+                <a:solidFill>
+                  <a:schemeClr val="accent2">
+                    <a:lumMod val="20000"/>
+                    <a:lumOff val="80000"/>
+                  </a:schemeClr>
+                </a:solidFill>
+              </a:rPr>
+              <a:t>What do you get ?</a:t>
+            </a:r>
+          </a:p>
+          <a:p>
+            <a:pPr algn="r"/>
+            <a:r>
+              <a:rPr lang="en-IN" sz="2800" dirty="0">
+                <a:solidFill>
+                  <a:srgbClr val="FF9999"/>
+                </a:solidFill>
+              </a:rPr>
+              <a:t>Earn REWARDS.  </a:t>
+            </a:r>
+          </a:p>
+          <a:p>
+            <a:pPr algn="r"/>
+            <a:r>
+              <a:rPr lang="en-IN" sz="2800" dirty="0">
+                <a:solidFill>
+                  <a:srgbClr val="FF9999"/>
+                </a:solidFill>
+              </a:rPr>
+              <a:t>A sense of SATISFACTION.</a:t>
+            </a:r>
+          </a:p>
+          <a:p>
+            <a:pPr algn="r"/>
+            <a:r>
+              <a:rPr lang="en-IN" sz="2800" dirty="0">
+                <a:solidFill>
+                  <a:srgbClr val="FF9999"/>
+                </a:solidFill>
+              </a:rPr>
+              <a:t>Special Prizes for TOP SCORERS.</a:t>
+            </a:r>
+          </a:p>
+          <a:p>
+            <a:endParaRPr lang="en-IN" sz="2800" dirty="0">
+              <a:solidFill>
+                <a:srgbClr val="FF9999"/>
+              </a:solidFill>
+            </a:endParaRPr>
+          </a:p>
+          <a:p>
+            <a:pPr marL="0" indent="0">
+              <a:buNone/>
+            </a:pPr>
+            <a:endParaRPr lang="en-IN" dirty="0"/>
+          </a:p>
+          <a:p>
+            <a:pPr marL="0" indent="0">
+              <a:buNone/>
+            </a:pPr>
+            <a:endParaRPr lang="en-IN" dirty="0"/>
+          </a:p>
+        </p:txBody>
+      </p:sp>
+      <p:pic>
+        <p:nvPicPr>
+          <p:cNvPr id="5" name="Picture 4">
+            <a:extLst>
+              <a:ext uri="{FF2B5EF4-FFF2-40B4-BE49-F238E27FC236}">
+                <a16:creationId xmlns:a16="http://schemas.microsoft.com/office/drawing/2014/main" id="{AE23684E-507B-4FF7-9165-554C36C1BCD3}"/>
+              </a:ext>
+            </a:extLst>
+          </p:cNvPr>
+          <p:cNvPicPr>
+            <a:picLocks noChangeAspect="1"/>
+          </p:cNvPicPr>
+          <p:nvPr/>
+        </p:nvPicPr>
+        <p:blipFill>
+          <a:blip r:embed="rId2"/>
+          <a:stretch>
+            <a:fillRect/>
+          </a:stretch>
+        </p:blipFill>
+        <p:spPr>
+          <a:xfrm>
+            <a:off x="7482382" y="0"/>
+            <a:ext cx="4032285" cy="3644964"/>
+          </a:xfrm>
+          <a:prstGeom prst="rect">
+            <a:avLst/>
+          </a:prstGeom>
+        </p:spPr>
+      </p:pic>
+      <p:pic>
+        <p:nvPicPr>
+          <p:cNvPr id="6" name="Picture 5">
+            <a:extLst>
+              <a:ext uri="{FF2B5EF4-FFF2-40B4-BE49-F238E27FC236}">
+                <a16:creationId xmlns:a16="http://schemas.microsoft.com/office/drawing/2014/main" id="{E2D507E3-3DD6-41B1-8A78-CD3E66360E0A}"/>
+              </a:ext>
+            </a:extLst>
+          </p:cNvPr>
+          <p:cNvPicPr>
+            <a:picLocks noChangeAspect="1"/>
+          </p:cNvPicPr>
+          <p:nvPr/>
+        </p:nvPicPr>
+        <p:blipFill>
+          <a:blip r:embed="rId2"/>
+          <a:stretch>
+            <a:fillRect/>
+          </a:stretch>
+        </p:blipFill>
+        <p:spPr>
+          <a:xfrm>
+            <a:off x="1054406" y="4305861"/>
+            <a:ext cx="1930021" cy="1744633"/>
+          </a:xfrm>
+          <a:prstGeom prst="rect">
+            <a:avLst/>
+          </a:prstGeom>
+        </p:spPr>
+      </p:pic>
+    </p:spTree>
+    <p:extLst>
+      <p:ext uri="{BB962C8B-B14F-4D97-AF65-F5344CB8AC3E}">
+        <p14:creationId xmlns:p14="http://schemas.microsoft.com/office/powerpoint/2010/main" val="1350987184"/>
+      </p:ext>
+    </p:extLst>
+  </p:cSld>
+  <p:clrMapOvr>
+    <a:masterClrMapping/>
+  </p:clrMapOvr>
+</p:sld>
+</file>
+
+<file path=ppt/slides/slide5.xml><?xml version="1.0" encoding="utf-8"?>
+<p:sld xmlns:a="http://schemas.openxmlformats.org/drawingml/2006/main" xmlns:r="http://schemas.openxmlformats.org/officeDocument/2006/relationships" xmlns:p="http://schemas.openxmlformats.org/presentationml/2006/main">
+  <p:cSld>
+    <p:spTree>
+      <p:nvGrpSpPr>
+        <p:cNvPr id="1" name=""/>
+        <p:cNvGrpSpPr/>
+        <p:nvPr/>
+      </p:nvGrpSpPr>
+      <p:grpSpPr>
+        <a:xfrm>
+          <a:off x="0" y="0"/>
+          <a:ext cx="0" cy="0"/>
+          <a:chOff x="0" y="0"/>
+          <a:chExt cx="0" cy="0"/>
+        </a:xfrm>
+      </p:grpSpPr>
+      <p:pic>
+        <p:nvPicPr>
+          <p:cNvPr id="4" name="Picture 3">
+            <a:extLst>
+              <a:ext uri="{FF2B5EF4-FFF2-40B4-BE49-F238E27FC236}">
+                <a16:creationId xmlns:a16="http://schemas.microsoft.com/office/drawing/2014/main" id="{95016248-4040-476A-8668-F42FF72C6054}"/>
+              </a:ext>
+            </a:extLst>
+          </p:cNvPr>
+          <p:cNvPicPr>
+            <a:picLocks noChangeAspect="1"/>
+          </p:cNvPicPr>
+          <p:nvPr/>
+        </p:nvPicPr>
+        <p:blipFill>
+          <a:blip r:embed="rId2"/>
+          <a:stretch>
+            <a:fillRect/>
+          </a:stretch>
+        </p:blipFill>
+        <p:spPr>
+          <a:xfrm>
+            <a:off x="468444" y="2319634"/>
+            <a:ext cx="6313635" cy="2739201"/>
+          </a:xfrm>
+          <a:prstGeom prst="rect">
+            <a:avLst/>
+          </a:prstGeom>
+        </p:spPr>
+      </p:pic>
+      <p:pic>
+        <p:nvPicPr>
+          <p:cNvPr id="5" name="Picture 4">
+            <a:extLst>
+              <a:ext uri="{FF2B5EF4-FFF2-40B4-BE49-F238E27FC236}">
+                <a16:creationId xmlns:a16="http://schemas.microsoft.com/office/drawing/2014/main" id="{73DEAE61-E325-41FE-921D-8C1BE18E1822}"/>
+              </a:ext>
+            </a:extLst>
+          </p:cNvPr>
+          <p:cNvPicPr>
+            <a:picLocks noChangeAspect="1"/>
+          </p:cNvPicPr>
+          <p:nvPr/>
+        </p:nvPicPr>
+        <p:blipFill>
+          <a:blip r:embed="rId3"/>
+          <a:stretch>
+            <a:fillRect/>
+          </a:stretch>
+        </p:blipFill>
+        <p:spPr>
+          <a:xfrm>
+            <a:off x="468444" y="428232"/>
+            <a:ext cx="4395788" cy="1673958"/>
+          </a:xfrm>
+          <a:prstGeom prst="rect">
+            <a:avLst/>
+          </a:prstGeom>
+        </p:spPr>
+      </p:pic>
+      <p:pic>
+        <p:nvPicPr>
+          <p:cNvPr id="6" name="Picture 5">
+            <a:extLst>
+              <a:ext uri="{FF2B5EF4-FFF2-40B4-BE49-F238E27FC236}">
+                <a16:creationId xmlns:a16="http://schemas.microsoft.com/office/drawing/2014/main" id="{FB36BFC4-89E5-4E0E-84C9-9F2637F0EBD0}"/>
+              </a:ext>
+            </a:extLst>
+          </p:cNvPr>
+          <p:cNvPicPr>
+            <a:picLocks noChangeAspect="1"/>
+          </p:cNvPicPr>
+          <p:nvPr/>
+        </p:nvPicPr>
+        <p:blipFill>
+          <a:blip r:embed="rId4"/>
+          <a:stretch>
+            <a:fillRect/>
+          </a:stretch>
+        </p:blipFill>
+        <p:spPr>
+          <a:xfrm>
+            <a:off x="4961060" y="414023"/>
+            <a:ext cx="1821019" cy="1688167"/>
+          </a:xfrm>
+          <a:prstGeom prst="rect">
+            <a:avLst/>
+          </a:prstGeom>
+        </p:spPr>
+      </p:pic>
+      <p:pic>
+        <p:nvPicPr>
+          <p:cNvPr id="7" name="Picture 6">
+            <a:extLst>
+              <a:ext uri="{FF2B5EF4-FFF2-40B4-BE49-F238E27FC236}">
+                <a16:creationId xmlns:a16="http://schemas.microsoft.com/office/drawing/2014/main" id="{1A4A97A3-5B84-402B-85E7-AF66EA51C5A7}"/>
+              </a:ext>
+            </a:extLst>
+          </p:cNvPr>
+          <p:cNvPicPr>
+            <a:picLocks noChangeAspect="1"/>
+          </p:cNvPicPr>
+          <p:nvPr/>
+        </p:nvPicPr>
+        <p:blipFill>
+          <a:blip r:embed="rId5"/>
+          <a:stretch>
+            <a:fillRect/>
+          </a:stretch>
+        </p:blipFill>
+        <p:spPr>
+          <a:xfrm>
+            <a:off x="6922970" y="414023"/>
+            <a:ext cx="4950241" cy="2404604"/>
+          </a:xfrm>
+          <a:prstGeom prst="rect">
+            <a:avLst/>
+          </a:prstGeom>
+        </p:spPr>
+      </p:pic>
+      <p:pic>
+        <p:nvPicPr>
+          <p:cNvPr id="8" name="Picture 7">
+            <a:extLst>
+              <a:ext uri="{FF2B5EF4-FFF2-40B4-BE49-F238E27FC236}">
+                <a16:creationId xmlns:a16="http://schemas.microsoft.com/office/drawing/2014/main" id="{3AABF4B8-2E2D-4256-9701-124150ED8676}"/>
+              </a:ext>
+            </a:extLst>
+          </p:cNvPr>
+          <p:cNvPicPr>
+            <a:picLocks noChangeAspect="1"/>
+          </p:cNvPicPr>
+          <p:nvPr/>
+        </p:nvPicPr>
+        <p:blipFill>
+          <a:blip r:embed="rId6"/>
+          <a:stretch>
+            <a:fillRect/>
+          </a:stretch>
+        </p:blipFill>
+        <p:spPr>
+          <a:xfrm>
+            <a:off x="468444" y="5251357"/>
+            <a:ext cx="4800587" cy="1419705"/>
+          </a:xfrm>
+          <a:prstGeom prst="rect">
+            <a:avLst/>
+          </a:prstGeom>
+        </p:spPr>
+      </p:pic>
+      <p:pic>
+        <p:nvPicPr>
+          <p:cNvPr id="9" name="Picture 8">
+            <a:extLst>
+              <a:ext uri="{FF2B5EF4-FFF2-40B4-BE49-F238E27FC236}">
+                <a16:creationId xmlns:a16="http://schemas.microsoft.com/office/drawing/2014/main" id="{0CA19492-0353-42D9-B72D-DEB71947E997}"/>
+              </a:ext>
+            </a:extLst>
+          </p:cNvPr>
+          <p:cNvPicPr>
+            <a:picLocks noChangeAspect="1"/>
+          </p:cNvPicPr>
+          <p:nvPr/>
+        </p:nvPicPr>
+        <p:blipFill>
+          <a:blip r:embed="rId7"/>
+          <a:stretch>
+            <a:fillRect/>
+          </a:stretch>
+        </p:blipFill>
+        <p:spPr>
+          <a:xfrm>
+            <a:off x="6922970" y="2935761"/>
+            <a:ext cx="3867653" cy="3735300"/>
+          </a:xfrm>
+          <a:prstGeom prst="rect">
+            <a:avLst/>
+          </a:prstGeom>
+        </p:spPr>
+      </p:pic>
+      <p:pic>
+        <p:nvPicPr>
+          <p:cNvPr id="10" name="Picture 9">
+            <a:extLst>
+              <a:ext uri="{FF2B5EF4-FFF2-40B4-BE49-F238E27FC236}">
+                <a16:creationId xmlns:a16="http://schemas.microsoft.com/office/drawing/2014/main" id="{66802B32-742F-4818-9BAB-E2E52F30DA66}"/>
+              </a:ext>
+            </a:extLst>
+          </p:cNvPr>
+          <p:cNvPicPr>
+            <a:picLocks noChangeAspect="1"/>
+          </p:cNvPicPr>
+          <p:nvPr/>
+        </p:nvPicPr>
+        <p:blipFill>
+          <a:blip r:embed="rId8"/>
+          <a:stretch>
+            <a:fillRect/>
+          </a:stretch>
+        </p:blipFill>
+        <p:spPr>
+          <a:xfrm>
+            <a:off x="5356179" y="5251356"/>
+            <a:ext cx="1479643" cy="1419705"/>
+          </a:xfrm>
+          <a:prstGeom prst="rect">
+            <a:avLst/>
+          </a:prstGeom>
+        </p:spPr>
+      </p:pic>
+      <p:pic>
+        <p:nvPicPr>
+          <p:cNvPr id="11" name="Picture 10">
+            <a:extLst>
+              <a:ext uri="{FF2B5EF4-FFF2-40B4-BE49-F238E27FC236}">
+                <a16:creationId xmlns:a16="http://schemas.microsoft.com/office/drawing/2014/main" id="{E1376916-8B9C-4894-9939-09726CFE70D3}"/>
+              </a:ext>
+            </a:extLst>
+          </p:cNvPr>
+          <p:cNvPicPr>
+            <a:picLocks noChangeAspect="1"/>
+          </p:cNvPicPr>
+          <p:nvPr/>
+        </p:nvPicPr>
+        <p:blipFill>
+          <a:blip r:embed="rId9"/>
+          <a:stretch>
+            <a:fillRect/>
+          </a:stretch>
+        </p:blipFill>
+        <p:spPr>
+          <a:xfrm>
+            <a:off x="10877771" y="2935761"/>
+            <a:ext cx="973955" cy="3735300"/>
+          </a:xfrm>
+          <a:prstGeom prst="rect">
+            <a:avLst/>
+          </a:prstGeom>
+        </p:spPr>
+      </p:pic>
+    </p:spTree>
+    <p:extLst>
+      <p:ext uri="{BB962C8B-B14F-4D97-AF65-F5344CB8AC3E}">
+        <p14:creationId xmlns:p14="http://schemas.microsoft.com/office/powerpoint/2010/main" val="3764616974"/>
       </p:ext>
     </p:extLst>
   </p:cSld>
